--- a/Clase 03 - Operadores/Operadores - Aritmeticos & Comparacion & Logicos & identidad.pptx
+++ b/Clase 03 - Operadores/Operadores - Aritmeticos & Comparacion & Logicos & identidad.pptx
@@ -267,7 +267,7 @@
           <a:p>
             <a:fld id="{5C3AEE2A-910C-4CE7-BA69-F81766203197}" type="datetimeFigureOut">
               <a:rPr lang="es-EC" smtClean="0"/>
-              <a:t>22/8/2022</a:t>
+              <a:t>23/8/2022</a:t>
             </a:fld>
             <a:endParaRPr lang="es-EC"/>
           </a:p>
@@ -467,7 +467,7 @@
           <a:p>
             <a:fld id="{5C3AEE2A-910C-4CE7-BA69-F81766203197}" type="datetimeFigureOut">
               <a:rPr lang="es-EC" smtClean="0"/>
-              <a:t>22/8/2022</a:t>
+              <a:t>23/8/2022</a:t>
             </a:fld>
             <a:endParaRPr lang="es-EC"/>
           </a:p>
@@ -677,7 +677,7 @@
           <a:p>
             <a:fld id="{5C3AEE2A-910C-4CE7-BA69-F81766203197}" type="datetimeFigureOut">
               <a:rPr lang="es-EC" smtClean="0"/>
-              <a:t>22/8/2022</a:t>
+              <a:t>23/8/2022</a:t>
             </a:fld>
             <a:endParaRPr lang="es-EC"/>
           </a:p>
@@ -877,7 +877,7 @@
           <a:p>
             <a:fld id="{5C3AEE2A-910C-4CE7-BA69-F81766203197}" type="datetimeFigureOut">
               <a:rPr lang="es-EC" smtClean="0"/>
-              <a:t>22/8/2022</a:t>
+              <a:t>23/8/2022</a:t>
             </a:fld>
             <a:endParaRPr lang="es-EC"/>
           </a:p>
@@ -1153,7 +1153,7 @@
           <a:p>
             <a:fld id="{5C3AEE2A-910C-4CE7-BA69-F81766203197}" type="datetimeFigureOut">
               <a:rPr lang="es-EC" smtClean="0"/>
-              <a:t>22/8/2022</a:t>
+              <a:t>23/8/2022</a:t>
             </a:fld>
             <a:endParaRPr lang="es-EC"/>
           </a:p>
@@ -1421,7 +1421,7 @@
           <a:p>
             <a:fld id="{5C3AEE2A-910C-4CE7-BA69-F81766203197}" type="datetimeFigureOut">
               <a:rPr lang="es-EC" smtClean="0"/>
-              <a:t>22/8/2022</a:t>
+              <a:t>23/8/2022</a:t>
             </a:fld>
             <a:endParaRPr lang="es-EC"/>
           </a:p>
@@ -1836,7 +1836,7 @@
           <a:p>
             <a:fld id="{5C3AEE2A-910C-4CE7-BA69-F81766203197}" type="datetimeFigureOut">
               <a:rPr lang="es-EC" smtClean="0"/>
-              <a:t>22/8/2022</a:t>
+              <a:t>23/8/2022</a:t>
             </a:fld>
             <a:endParaRPr lang="es-EC"/>
           </a:p>
@@ -1978,7 +1978,7 @@
           <a:p>
             <a:fld id="{5C3AEE2A-910C-4CE7-BA69-F81766203197}" type="datetimeFigureOut">
               <a:rPr lang="es-EC" smtClean="0"/>
-              <a:t>22/8/2022</a:t>
+              <a:t>23/8/2022</a:t>
             </a:fld>
             <a:endParaRPr lang="es-EC"/>
           </a:p>
@@ -2091,7 +2091,7 @@
           <a:p>
             <a:fld id="{5C3AEE2A-910C-4CE7-BA69-F81766203197}" type="datetimeFigureOut">
               <a:rPr lang="es-EC" smtClean="0"/>
-              <a:t>22/8/2022</a:t>
+              <a:t>23/8/2022</a:t>
             </a:fld>
             <a:endParaRPr lang="es-EC"/>
           </a:p>
@@ -2404,7 +2404,7 @@
           <a:p>
             <a:fld id="{5C3AEE2A-910C-4CE7-BA69-F81766203197}" type="datetimeFigureOut">
               <a:rPr lang="es-EC" smtClean="0"/>
-              <a:t>22/8/2022</a:t>
+              <a:t>23/8/2022</a:t>
             </a:fld>
             <a:endParaRPr lang="es-EC"/>
           </a:p>
@@ -2697,7 +2697,7 @@
           <a:p>
             <a:fld id="{5C3AEE2A-910C-4CE7-BA69-F81766203197}" type="datetimeFigureOut">
               <a:rPr lang="es-EC" smtClean="0"/>
-              <a:t>22/8/2022</a:t>
+              <a:t>23/8/2022</a:t>
             </a:fld>
             <a:endParaRPr lang="es-EC"/>
           </a:p>
@@ -2940,7 +2940,7 @@
           <a:p>
             <a:fld id="{5C3AEE2A-910C-4CE7-BA69-F81766203197}" type="datetimeFigureOut">
               <a:rPr lang="es-EC" smtClean="0"/>
-              <a:t>22/8/2022</a:t>
+              <a:t>23/8/2022</a:t>
             </a:fld>
             <a:endParaRPr lang="es-EC"/>
           </a:p>
@@ -4029,7 +4029,7 @@
           <p:nvPr>
             <p:extLst>
               <p:ext uri="{D42A27DB-BD31-4B8C-83A1-F6EECF244321}">
-                <p14:modId xmlns:p14="http://schemas.microsoft.com/office/powerpoint/2010/main" val="3137925096"/>
+                <p14:modId xmlns:p14="http://schemas.microsoft.com/office/powerpoint/2010/main" val="3570674595"/>
               </p:ext>
             </p:extLst>
           </p:nvPr>
@@ -4398,7 +4398,7 @@
                       <a:pPr algn="ctr"/>
                       <a:r>
                         <a:rPr lang="es-EC" sz="2400" dirty="0"/>
-                        <a:t>3.5/2</a:t>
+                        <a:t>7/2</a:t>
                       </a:r>
                     </a:p>
                   </a:txBody>
@@ -4447,7 +4447,7 @@
                       <a:pPr algn="ctr"/>
                       <a:r>
                         <a:rPr lang="es-EC" sz="2400" dirty="0"/>
-                        <a:t>3.5//2</a:t>
+                        <a:t>7//2</a:t>
                       </a:r>
                     </a:p>
                   </a:txBody>
@@ -5848,7 +5848,7 @@
           <p:nvPr>
             <p:extLst>
               <p:ext uri="{D42A27DB-BD31-4B8C-83A1-F6EECF244321}">
-                <p14:modId xmlns:p14="http://schemas.microsoft.com/office/powerpoint/2010/main" val="1040437863"/>
+                <p14:modId xmlns:p14="http://schemas.microsoft.com/office/powerpoint/2010/main" val="3244795600"/>
               </p:ext>
             </p:extLst>
           </p:nvPr>
@@ -6056,7 +6056,7 @@
                       <a:pPr algn="ctr"/>
                       <a:r>
                         <a:rPr lang="es-EC" sz="2400" dirty="0"/>
-                        <a:t>Devuelve False si no hacen referencia al mismo objeto</a:t>
+                        <a:t>Devuelve True si no hacen referencia al mismo objeto</a:t>
                       </a:r>
                     </a:p>
                   </a:txBody>
